--- a/4. Full Stack Project/Day 19/Slides/2. Creating the Spring Boot Project/creating-the-spring-boot-project-slides.pptx
+++ b/4. Full Stack Project/Day 19/Slides/2. Creating the Spring Boot Project/creating-the-spring-boot-project-slides.pptx
@@ -2637,7 +2637,7 @@
                 <a:latin typeface="Arial" panose="020B0604020202020204" pitchFamily="34" charset="0"/>
                 <a:cs typeface="Arial" panose="020B0604020202020204" pitchFamily="34" charset="0"/>
               </a:rPr>
-              <a:t> 11</a:t>
+              <a:t> 16</a:t>
             </a:r>
             <a:endParaRPr sz="3200">
               <a:latin typeface="Arial" panose="020B0604020202020204" pitchFamily="34" charset="0"/>
